--- a/WebFlux-rest-API-Consumer/src/test/java/SchedulerReactive/contextSwitching/3_Switching Execution Context.pptx
+++ b/WebFlux-rest-API-Consumer/src/test/java/SchedulerReactive/contextSwitching/3_Switching Execution Context.pptx
@@ -5,13 +5,16 @@
     <p:sldMasterId id="2147483648" r:id="rId1"/>
   </p:sldMasterIdLst>
   <p:notesMasterIdLst>
-    <p:notesMasterId r:id="rId6"/>
+    <p:notesMasterId r:id="rId9"/>
   </p:notesMasterIdLst>
   <p:sldIdLst>
     <p:sldId id="256" r:id="rId2"/>
     <p:sldId id="257" r:id="rId3"/>
     <p:sldId id="259" r:id="rId4"/>
     <p:sldId id="260" r:id="rId5"/>
+    <p:sldId id="262" r:id="rId6"/>
+    <p:sldId id="263" r:id="rId7"/>
+    <p:sldId id="264" r:id="rId8"/>
   </p:sldIdLst>
   <p:sldSz cx="12192000" cy="6858000"/>
   <p:notesSz cx="6858000" cy="9144000"/>
@@ -8373,7 +8376,6 @@
               <a:rPr lang="en-US" sz="6000" dirty="0"/>
               <a:t>susbcribeOn operator</a:t>
             </a:r>
-            <a:endParaRPr lang="en-US" sz="6000" dirty="0"/>
           </a:p>
         </p:txBody>
       </p:sp>
@@ -8387,12 +8389,317 @@
             <p:ph sz="half" idx="2"/>
           </p:nvPr>
         </p:nvSpPr>
-        <p:spPr/>
-        <p:txBody>
-          <a:bodyPr/>
+        <p:spPr>
+          <a:xfrm>
+            <a:off x="4928260" y="2336873"/>
+            <a:ext cx="7172695" cy="3599316"/>
+          </a:xfrm>
+        </p:spPr>
+        <p:txBody>
+          <a:bodyPr>
+            <a:normAutofit fontScale="92500"/>
+          </a:bodyPr>
           <a:lstStyle/>
           <a:p>
-            <a:endParaRPr lang="en-US"/>
+            <a:r>
+              <a:rPr lang="en-US" dirty="0"/>
+              <a:t>Where you place </a:t>
+            </a:r>
+            <a:r>
+              <a:rPr lang="en-US" dirty="0" smtClean="0"/>
+              <a:t>susbcribeOn does n</a:t>
+            </a:r>
+            <a:r>
+              <a:rPr lang="en-US" dirty="0"/>
+              <a:t>o</a:t>
+            </a:r>
+            <a:r>
+              <a:rPr lang="en-US" dirty="0" smtClean="0"/>
+              <a:t>t matter unless you have </a:t>
+            </a:r>
+            <a:r>
+              <a:rPr lang="en-US" dirty="0"/>
+              <a:t>publishOn in the </a:t>
+            </a:r>
+            <a:r>
+              <a:rPr lang="en-US" dirty="0" smtClean="0"/>
+              <a:t>chain.</a:t>
+            </a:r>
+          </a:p>
+          <a:p>
+            <a:r>
+              <a:rPr lang="en-US" dirty="0" smtClean="0"/>
+              <a:t>In </a:t>
+            </a:r>
+            <a:r>
+              <a:rPr lang="en-US" dirty="0"/>
+              <a:t>D1 susbcribeOn </a:t>
+            </a:r>
+            <a:r>
+              <a:rPr lang="en-US" dirty="0" smtClean="0"/>
+              <a:t>on TOP all </a:t>
+            </a:r>
+            <a:r>
+              <a:rPr lang="en-US" dirty="0"/>
+              <a:t>even though </a:t>
+            </a:r>
+            <a:r>
+              <a:rPr lang="en-US" dirty="0" smtClean="0"/>
+              <a:t>all the </a:t>
+            </a:r>
+            <a:r>
+              <a:rPr lang="en-US" dirty="0" smtClean="0"/>
+              <a:t>Map operator will be executed on Parallel Thread.</a:t>
+            </a:r>
+          </a:p>
+          <a:p>
+            <a:r>
+              <a:rPr lang="en-US" dirty="0" smtClean="0"/>
+              <a:t>In D2 susbcribeOn on BOTTOM </a:t>
+            </a:r>
+            <a:r>
+              <a:rPr lang="en-US" dirty="0"/>
+              <a:t>even though </a:t>
+            </a:r>
+            <a:r>
+              <a:rPr lang="en-US" dirty="0" smtClean="0"/>
+              <a:t>all </a:t>
+            </a:r>
+            <a:r>
+              <a:rPr lang="en-US" dirty="0"/>
+              <a:t>the Map operator will be executed on Parallel Thread</a:t>
+            </a:r>
+            <a:r>
+              <a:rPr lang="en-US" dirty="0" smtClean="0"/>
+              <a:t>.</a:t>
+            </a:r>
+          </a:p>
+          <a:p>
+            <a:r>
+              <a:rPr lang="en-US" dirty="0"/>
+              <a:t>In </a:t>
+            </a:r>
+            <a:r>
+              <a:rPr lang="en-US" dirty="0" smtClean="0"/>
+              <a:t>D3 </a:t>
+            </a:r>
+            <a:r>
+              <a:rPr lang="en-US" dirty="0"/>
+              <a:t>susbcribeOn </a:t>
+            </a:r>
+            <a:r>
+              <a:rPr lang="en-US" dirty="0" smtClean="0"/>
+              <a:t>on MIDDLE even though all </a:t>
+            </a:r>
+            <a:r>
+              <a:rPr lang="en-US" dirty="0"/>
+              <a:t>the Map operator will be executed on Parallel Thread.</a:t>
+            </a:r>
+            <a:endParaRPr lang="en-US" dirty="0"/>
+          </a:p>
+        </p:txBody>
+      </p:sp>
+      <p:pic>
+        <p:nvPicPr>
+          <p:cNvPr id="5" name="Picture 4"/>
+          <p:cNvPicPr>
+            <a:picLocks noChangeAspect="1"/>
+          </p:cNvPicPr>
+          <p:nvPr/>
+        </p:nvPicPr>
+        <p:blipFill>
+          <a:blip r:embed="rId2">
+            <a:extLst>
+              <a:ext uri="{28A0092B-C50C-407E-A947-70E740481C1C}">
+                <a14:useLocalDpi xmlns:a14="http://schemas.microsoft.com/office/drawing/2010/main" val="0"/>
+              </a:ext>
+            </a:extLst>
+          </a:blip>
+          <a:stretch>
+            <a:fillRect/>
+          </a:stretch>
+        </p:blipFill>
+        <p:spPr>
+          <a:xfrm>
+            <a:off x="641267" y="2179710"/>
+            <a:ext cx="4156363" cy="1167080"/>
+          </a:xfrm>
+          <a:prstGeom prst="rect">
+            <a:avLst/>
+          </a:prstGeom>
+        </p:spPr>
+      </p:pic>
+      <p:pic>
+        <p:nvPicPr>
+          <p:cNvPr id="6" name="Picture 5"/>
+          <p:cNvPicPr>
+            <a:picLocks noChangeAspect="1"/>
+          </p:cNvPicPr>
+          <p:nvPr/>
+        </p:nvPicPr>
+        <p:blipFill>
+          <a:blip r:embed="rId3">
+            <a:extLst>
+              <a:ext uri="{28A0092B-C50C-407E-A947-70E740481C1C}">
+                <a14:useLocalDpi xmlns:a14="http://schemas.microsoft.com/office/drawing/2010/main" val="0"/>
+              </a:ext>
+            </a:extLst>
+          </a:blip>
+          <a:stretch>
+            <a:fillRect/>
+          </a:stretch>
+        </p:blipFill>
+        <p:spPr>
+          <a:xfrm>
+            <a:off x="641267" y="3692335"/>
+            <a:ext cx="4156364" cy="1199407"/>
+          </a:xfrm>
+          <a:prstGeom prst="rect">
+            <a:avLst/>
+          </a:prstGeom>
+        </p:spPr>
+      </p:pic>
+      <p:pic>
+        <p:nvPicPr>
+          <p:cNvPr id="7" name="Picture 6"/>
+          <p:cNvPicPr>
+            <a:picLocks noChangeAspect="1"/>
+          </p:cNvPicPr>
+          <p:nvPr/>
+        </p:nvPicPr>
+        <p:blipFill>
+          <a:blip r:embed="rId4">
+            <a:extLst>
+              <a:ext uri="{28A0092B-C50C-407E-A947-70E740481C1C}">
+                <a14:useLocalDpi xmlns:a14="http://schemas.microsoft.com/office/drawing/2010/main" val="0"/>
+              </a:ext>
+            </a:extLst>
+          </a:blip>
+          <a:stretch>
+            <a:fillRect/>
+          </a:stretch>
+        </p:blipFill>
+        <p:spPr>
+          <a:xfrm>
+            <a:off x="641267" y="5319255"/>
+            <a:ext cx="4156363" cy="1233868"/>
+          </a:xfrm>
+          <a:prstGeom prst="rect">
+            <a:avLst/>
+          </a:prstGeom>
+        </p:spPr>
+      </p:pic>
+      <p:sp>
+        <p:nvSpPr>
+          <p:cNvPr id="10" name="TextBox 9"/>
+          <p:cNvSpPr txBox="1"/>
+          <p:nvPr/>
+        </p:nvSpPr>
+        <p:spPr>
+          <a:xfrm>
+            <a:off x="193709" y="2578584"/>
+            <a:ext cx="447558" cy="369332"/>
+          </a:xfrm>
+          <a:prstGeom prst="rect">
+            <a:avLst/>
+          </a:prstGeom>
+          <a:noFill/>
+        </p:spPr>
+        <p:txBody>
+          <a:bodyPr wrap="none" rtlCol="0">
+            <a:spAutoFit/>
+          </a:bodyPr>
+          <a:lstStyle/>
+          <a:p>
+            <a:r>
+              <a:rPr lang="en-US" dirty="0" smtClean="0">
+                <a:solidFill>
+                  <a:schemeClr val="bg1"/>
+                </a:solidFill>
+              </a:rPr>
+              <a:t>D1</a:t>
+            </a:r>
+            <a:endParaRPr lang="en-US" dirty="0">
+              <a:solidFill>
+                <a:schemeClr val="bg1"/>
+              </a:solidFill>
+            </a:endParaRPr>
+          </a:p>
+        </p:txBody>
+      </p:sp>
+      <p:sp>
+        <p:nvSpPr>
+          <p:cNvPr id="11" name="TextBox 10"/>
+          <p:cNvSpPr txBox="1"/>
+          <p:nvPr/>
+        </p:nvSpPr>
+        <p:spPr>
+          <a:xfrm>
+            <a:off x="193710" y="4215740"/>
+            <a:ext cx="447558" cy="369332"/>
+          </a:xfrm>
+          <a:prstGeom prst="rect">
+            <a:avLst/>
+          </a:prstGeom>
+          <a:noFill/>
+        </p:spPr>
+        <p:txBody>
+          <a:bodyPr wrap="square" rtlCol="0">
+            <a:spAutoFit/>
+          </a:bodyPr>
+          <a:lstStyle/>
+          <a:p>
+            <a:r>
+              <a:rPr lang="en-US" dirty="0" smtClean="0">
+                <a:solidFill>
+                  <a:schemeClr val="bg1"/>
+                </a:solidFill>
+              </a:rPr>
+              <a:t>D2</a:t>
+            </a:r>
+            <a:endParaRPr lang="en-US" dirty="0">
+              <a:solidFill>
+                <a:schemeClr val="bg1"/>
+              </a:solidFill>
+            </a:endParaRPr>
+          </a:p>
+        </p:txBody>
+      </p:sp>
+      <p:sp>
+        <p:nvSpPr>
+          <p:cNvPr id="12" name="TextBox 11"/>
+          <p:cNvSpPr txBox="1"/>
+          <p:nvPr/>
+        </p:nvSpPr>
+        <p:spPr>
+          <a:xfrm>
+            <a:off x="193709" y="5902036"/>
+            <a:ext cx="447558" cy="369332"/>
+          </a:xfrm>
+          <a:prstGeom prst="rect">
+            <a:avLst/>
+          </a:prstGeom>
+          <a:noFill/>
+        </p:spPr>
+        <p:txBody>
+          <a:bodyPr wrap="square" rtlCol="0">
+            <a:spAutoFit/>
+          </a:bodyPr>
+          <a:lstStyle/>
+          <a:p>
+            <a:r>
+              <a:rPr lang="en-US" dirty="0" smtClean="0">
+                <a:solidFill>
+                  <a:schemeClr val="bg1"/>
+                </a:solidFill>
+              </a:rPr>
+              <a:t>D3</a:t>
+            </a:r>
+            <a:endParaRPr lang="en-US" dirty="0">
+              <a:solidFill>
+                <a:schemeClr val="bg1"/>
+              </a:solidFill>
+            </a:endParaRPr>
           </a:p>
         </p:txBody>
       </p:sp>
@@ -8400,6 +8707,1174 @@
     <p:extLst>
       <p:ext uri="{BB962C8B-B14F-4D97-AF65-F5344CB8AC3E}">
         <p14:creationId xmlns:p14="http://schemas.microsoft.com/office/powerpoint/2010/main" val="2147076424"/>
+      </p:ext>
+    </p:extLst>
+  </p:cSld>
+  <p:clrMapOvr>
+    <a:masterClrMapping/>
+  </p:clrMapOvr>
+</p:sld>
+</file>
+
+<file path=ppt/slides/slide5.xml><?xml version="1.0" encoding="utf-8"?>
+<p:sld xmlns:a="http://schemas.openxmlformats.org/drawingml/2006/main" xmlns:r="http://schemas.openxmlformats.org/officeDocument/2006/relationships" xmlns:p="http://schemas.openxmlformats.org/presentationml/2006/main">
+  <p:cSld>
+    <p:spTree>
+      <p:nvGrpSpPr>
+        <p:cNvPr id="1" name=""/>
+        <p:cNvGrpSpPr/>
+        <p:nvPr/>
+      </p:nvGrpSpPr>
+      <p:grpSpPr>
+        <a:xfrm>
+          <a:off x="0" y="0"/>
+          <a:ext cx="0" cy="0"/>
+          <a:chOff x="0" y="0"/>
+          <a:chExt cx="0" cy="0"/>
+        </a:xfrm>
+      </p:grpSpPr>
+      <p:sp>
+        <p:nvSpPr>
+          <p:cNvPr id="4" name="Content Placeholder 3"/>
+          <p:cNvSpPr>
+            <a:spLocks noGrp="1"/>
+          </p:cNvSpPr>
+          <p:nvPr>
+            <p:ph sz="half" idx="4294967295"/>
+          </p:nvPr>
+        </p:nvSpPr>
+        <p:spPr>
+          <a:xfrm>
+            <a:off x="5438899" y="233218"/>
+            <a:ext cx="5961413" cy="1809338"/>
+          </a:xfrm>
+        </p:spPr>
+        <p:txBody>
+          <a:bodyPr/>
+          <a:lstStyle/>
+          <a:p>
+            <a:r>
+              <a:rPr lang="en-US" dirty="0" smtClean="0"/>
+              <a:t>In D4 it has multiple </a:t>
+            </a:r>
+            <a:r>
+              <a:rPr lang="en-US" dirty="0"/>
+              <a:t>susbcribeOn </a:t>
+            </a:r>
+            <a:r>
+              <a:rPr lang="en-US" dirty="0" smtClean="0"/>
+              <a:t>in the chain, in this case which ever the </a:t>
+            </a:r>
+            <a:r>
+              <a:rPr lang="en-US" dirty="0"/>
+              <a:t>susbcribeOn </a:t>
+            </a:r>
+            <a:r>
+              <a:rPr lang="en-US" dirty="0" smtClean="0"/>
+              <a:t>closer to source(</a:t>
+            </a:r>
+            <a:r>
+              <a:rPr lang="en-US" dirty="0" err="1" smtClean="0"/>
+              <a:t>i.e</a:t>
+            </a:r>
+            <a:r>
+              <a:rPr lang="en-US" dirty="0" smtClean="0"/>
+              <a:t> near to Flux) will be executed.</a:t>
+            </a:r>
+          </a:p>
+        </p:txBody>
+      </p:sp>
+      <p:pic>
+        <p:nvPicPr>
+          <p:cNvPr id="8" name="Picture 7"/>
+          <p:cNvPicPr>
+            <a:picLocks noChangeAspect="1"/>
+          </p:cNvPicPr>
+          <p:nvPr/>
+        </p:nvPicPr>
+        <p:blipFill>
+          <a:blip r:embed="rId2">
+            <a:extLst>
+              <a:ext uri="{28A0092B-C50C-407E-A947-70E740481C1C}">
+                <a14:useLocalDpi xmlns:a14="http://schemas.microsoft.com/office/drawing/2010/main" val="0"/>
+              </a:ext>
+            </a:extLst>
+          </a:blip>
+          <a:stretch>
+            <a:fillRect/>
+          </a:stretch>
+        </p:blipFill>
+        <p:spPr>
+          <a:xfrm>
+            <a:off x="712519" y="233218"/>
+            <a:ext cx="4476997" cy="1809338"/>
+          </a:xfrm>
+          <a:prstGeom prst="rect">
+            <a:avLst/>
+          </a:prstGeom>
+        </p:spPr>
+      </p:pic>
+      <p:pic>
+        <p:nvPicPr>
+          <p:cNvPr id="9" name="Picture 8"/>
+          <p:cNvPicPr>
+            <a:picLocks noChangeAspect="1"/>
+          </p:cNvPicPr>
+          <p:nvPr/>
+        </p:nvPicPr>
+        <p:blipFill>
+          <a:blip r:embed="rId3">
+            <a:extLst>
+              <a:ext uri="{28A0092B-C50C-407E-A947-70E740481C1C}">
+                <a14:useLocalDpi xmlns:a14="http://schemas.microsoft.com/office/drawing/2010/main" val="0"/>
+              </a:ext>
+            </a:extLst>
+          </a:blip>
+          <a:stretch>
+            <a:fillRect/>
+          </a:stretch>
+        </p:blipFill>
+        <p:spPr>
+          <a:xfrm>
+            <a:off x="712518" y="4533900"/>
+            <a:ext cx="4476997" cy="1736271"/>
+          </a:xfrm>
+          <a:prstGeom prst="rect">
+            <a:avLst/>
+          </a:prstGeom>
+        </p:spPr>
+      </p:pic>
+      <p:pic>
+        <p:nvPicPr>
+          <p:cNvPr id="10" name="Picture 9"/>
+          <p:cNvPicPr>
+            <a:picLocks noChangeAspect="1"/>
+          </p:cNvPicPr>
+          <p:nvPr/>
+        </p:nvPicPr>
+        <p:blipFill>
+          <a:blip r:embed="rId4">
+            <a:extLst>
+              <a:ext uri="{28A0092B-C50C-407E-A947-70E740481C1C}">
+                <a14:useLocalDpi xmlns:a14="http://schemas.microsoft.com/office/drawing/2010/main" val="0"/>
+              </a:ext>
+            </a:extLst>
+          </a:blip>
+          <a:stretch>
+            <a:fillRect/>
+          </a:stretch>
+        </p:blipFill>
+        <p:spPr>
+          <a:xfrm>
+            <a:off x="712518" y="2331398"/>
+            <a:ext cx="4476997" cy="1913659"/>
+          </a:xfrm>
+          <a:prstGeom prst="rect">
+            <a:avLst/>
+          </a:prstGeom>
+        </p:spPr>
+      </p:pic>
+      <p:sp>
+        <p:nvSpPr>
+          <p:cNvPr id="11" name="TextBox 10"/>
+          <p:cNvSpPr txBox="1"/>
+          <p:nvPr/>
+        </p:nvSpPr>
+        <p:spPr>
+          <a:xfrm>
+            <a:off x="166255" y="1104405"/>
+            <a:ext cx="546263" cy="369332"/>
+          </a:xfrm>
+          <a:prstGeom prst="rect">
+            <a:avLst/>
+          </a:prstGeom>
+          <a:noFill/>
+        </p:spPr>
+        <p:txBody>
+          <a:bodyPr wrap="square" rtlCol="0">
+            <a:spAutoFit/>
+          </a:bodyPr>
+          <a:lstStyle/>
+          <a:p>
+            <a:r>
+              <a:rPr lang="en-US" dirty="0" smtClean="0">
+                <a:solidFill>
+                  <a:schemeClr val="bg1"/>
+                </a:solidFill>
+              </a:rPr>
+              <a:t>D4</a:t>
+            </a:r>
+            <a:endParaRPr lang="en-US" dirty="0">
+              <a:solidFill>
+                <a:schemeClr val="bg1"/>
+              </a:solidFill>
+            </a:endParaRPr>
+          </a:p>
+        </p:txBody>
+      </p:sp>
+      <p:sp>
+        <p:nvSpPr>
+          <p:cNvPr id="12" name="TextBox 11"/>
+          <p:cNvSpPr txBox="1"/>
+          <p:nvPr/>
+        </p:nvSpPr>
+        <p:spPr>
+          <a:xfrm>
+            <a:off x="166255" y="3408218"/>
+            <a:ext cx="613812" cy="369332"/>
+          </a:xfrm>
+          <a:prstGeom prst="rect">
+            <a:avLst/>
+          </a:prstGeom>
+          <a:noFill/>
+        </p:spPr>
+        <p:txBody>
+          <a:bodyPr wrap="square" rtlCol="0">
+            <a:spAutoFit/>
+          </a:bodyPr>
+          <a:lstStyle/>
+          <a:p>
+            <a:r>
+              <a:rPr lang="en-US" dirty="0" smtClean="0">
+                <a:solidFill>
+                  <a:schemeClr val="bg1"/>
+                </a:solidFill>
+              </a:rPr>
+              <a:t>D5</a:t>
+            </a:r>
+            <a:endParaRPr lang="en-US" dirty="0">
+              <a:solidFill>
+                <a:schemeClr val="bg1"/>
+              </a:solidFill>
+            </a:endParaRPr>
+          </a:p>
+        </p:txBody>
+      </p:sp>
+      <p:sp>
+        <p:nvSpPr>
+          <p:cNvPr id="13" name="TextBox 12"/>
+          <p:cNvSpPr txBox="1"/>
+          <p:nvPr/>
+        </p:nvSpPr>
+        <p:spPr>
+          <a:xfrm>
+            <a:off x="166255" y="5296395"/>
+            <a:ext cx="546263" cy="369332"/>
+          </a:xfrm>
+          <a:prstGeom prst="rect">
+            <a:avLst/>
+          </a:prstGeom>
+          <a:noFill/>
+        </p:spPr>
+        <p:txBody>
+          <a:bodyPr wrap="square" rtlCol="0">
+            <a:spAutoFit/>
+          </a:bodyPr>
+          <a:lstStyle/>
+          <a:p>
+            <a:r>
+              <a:rPr lang="en-US" dirty="0" smtClean="0">
+                <a:solidFill>
+                  <a:schemeClr val="bg1"/>
+                </a:solidFill>
+              </a:rPr>
+              <a:t>D6</a:t>
+            </a:r>
+            <a:endParaRPr lang="en-US" dirty="0">
+              <a:solidFill>
+                <a:schemeClr val="bg1"/>
+              </a:solidFill>
+            </a:endParaRPr>
+          </a:p>
+        </p:txBody>
+      </p:sp>
+      <p:sp>
+        <p:nvSpPr>
+          <p:cNvPr id="15" name="Content Placeholder 3"/>
+          <p:cNvSpPr txBox="1">
+            <a:spLocks/>
+          </p:cNvSpPr>
+          <p:nvPr/>
+        </p:nvSpPr>
+        <p:spPr>
+          <a:xfrm>
+            <a:off x="5329238" y="2246849"/>
+            <a:ext cx="6712341" cy="4037609"/>
+          </a:xfrm>
+          <a:prstGeom prst="rect">
+            <a:avLst/>
+          </a:prstGeom>
+        </p:spPr>
+        <p:txBody>
+          <a:bodyPr vert="horz" lIns="91440" tIns="45720" rIns="91440" bIns="45720" rtlCol="0">
+            <a:normAutofit fontScale="92500" lnSpcReduction="10000"/>
+          </a:bodyPr>
+          <a:lstStyle>
+            <a:lvl1pPr marL="228600" indent="-228600" algn="l" defTabSz="914400" rtl="0" eaLnBrk="1" latinLnBrk="0" hangingPunct="1">
+              <a:lnSpc>
+                <a:spcPct val="90000"/>
+              </a:lnSpc>
+              <a:spcBef>
+                <a:spcPts val="1000"/>
+              </a:spcBef>
+              <a:buFont typeface="Arial" panose="020B0604020202020204" pitchFamily="34" charset="0"/>
+              <a:buChar char="•"/>
+              <a:defRPr sz="2400" kern="1200">
+                <a:solidFill>
+                  <a:schemeClr val="tx1"/>
+                </a:solidFill>
+                <a:latin typeface="+mn-lt"/>
+                <a:ea typeface="+mn-ea"/>
+                <a:cs typeface="+mn-cs"/>
+              </a:defRPr>
+            </a:lvl1pPr>
+            <a:lvl2pPr marL="685800" indent="-228600" algn="l" defTabSz="914400" rtl="0" eaLnBrk="1" latinLnBrk="0" hangingPunct="1">
+              <a:lnSpc>
+                <a:spcPct val="90000"/>
+              </a:lnSpc>
+              <a:spcBef>
+                <a:spcPts val="500"/>
+              </a:spcBef>
+              <a:buFont typeface="Arial" panose="020B0604020202020204" pitchFamily="34" charset="0"/>
+              <a:buChar char="•"/>
+              <a:defRPr sz="2000" kern="1200">
+                <a:solidFill>
+                  <a:schemeClr val="tx1"/>
+                </a:solidFill>
+                <a:latin typeface="+mn-lt"/>
+                <a:ea typeface="+mn-ea"/>
+                <a:cs typeface="+mn-cs"/>
+              </a:defRPr>
+            </a:lvl2pPr>
+            <a:lvl3pPr marL="1143000" indent="-228600" algn="l" defTabSz="914400" rtl="0" eaLnBrk="1" latinLnBrk="0" hangingPunct="1">
+              <a:lnSpc>
+                <a:spcPct val="90000"/>
+              </a:lnSpc>
+              <a:spcBef>
+                <a:spcPts val="500"/>
+              </a:spcBef>
+              <a:buFont typeface="Arial" panose="020B0604020202020204" pitchFamily="34" charset="0"/>
+              <a:buChar char="•"/>
+              <a:defRPr sz="1800" kern="1200">
+                <a:solidFill>
+                  <a:schemeClr val="tx1"/>
+                </a:solidFill>
+                <a:latin typeface="+mn-lt"/>
+                <a:ea typeface="+mn-ea"/>
+                <a:cs typeface="+mn-cs"/>
+              </a:defRPr>
+            </a:lvl3pPr>
+            <a:lvl4pPr marL="1600200" indent="-228600" algn="l" defTabSz="914400" rtl="0" eaLnBrk="1" latinLnBrk="0" hangingPunct="1">
+              <a:lnSpc>
+                <a:spcPct val="90000"/>
+              </a:lnSpc>
+              <a:spcBef>
+                <a:spcPts val="500"/>
+              </a:spcBef>
+              <a:buFont typeface="Arial" panose="020B0604020202020204" pitchFamily="34" charset="0"/>
+              <a:buChar char="•"/>
+              <a:defRPr sz="1600" kern="1200">
+                <a:solidFill>
+                  <a:schemeClr val="tx1"/>
+                </a:solidFill>
+                <a:latin typeface="+mn-lt"/>
+                <a:ea typeface="+mn-ea"/>
+                <a:cs typeface="+mn-cs"/>
+              </a:defRPr>
+            </a:lvl4pPr>
+            <a:lvl5pPr marL="2057400" indent="-228600" algn="l" defTabSz="914400" rtl="0" eaLnBrk="1" latinLnBrk="0" hangingPunct="1">
+              <a:lnSpc>
+                <a:spcPct val="90000"/>
+              </a:lnSpc>
+              <a:spcBef>
+                <a:spcPts val="500"/>
+              </a:spcBef>
+              <a:buFont typeface="Arial" panose="020B0604020202020204" pitchFamily="34" charset="0"/>
+              <a:buChar char="•"/>
+              <a:defRPr sz="1600" kern="1200">
+                <a:solidFill>
+                  <a:schemeClr val="tx1"/>
+                </a:solidFill>
+                <a:latin typeface="+mn-lt"/>
+                <a:ea typeface="+mn-ea"/>
+                <a:cs typeface="+mn-cs"/>
+              </a:defRPr>
+            </a:lvl5pPr>
+            <a:lvl6pPr marL="2514600" indent="-228600" algn="l" defTabSz="914400" rtl="0" eaLnBrk="1" latinLnBrk="0" hangingPunct="1">
+              <a:lnSpc>
+                <a:spcPct val="90000"/>
+              </a:lnSpc>
+              <a:spcBef>
+                <a:spcPts val="500"/>
+              </a:spcBef>
+              <a:buFont typeface="Arial" panose="020B0604020202020204" pitchFamily="34" charset="0"/>
+              <a:buChar char="•"/>
+              <a:defRPr sz="1400" kern="1200">
+                <a:solidFill>
+                  <a:schemeClr val="tx1"/>
+                </a:solidFill>
+                <a:latin typeface="+mn-lt"/>
+                <a:ea typeface="+mn-ea"/>
+                <a:cs typeface="+mn-cs"/>
+              </a:defRPr>
+            </a:lvl6pPr>
+            <a:lvl7pPr marL="2971800" indent="-228600" algn="l" defTabSz="914400" rtl="0" eaLnBrk="1" latinLnBrk="0" hangingPunct="1">
+              <a:lnSpc>
+                <a:spcPct val="90000"/>
+              </a:lnSpc>
+              <a:spcBef>
+                <a:spcPts val="500"/>
+              </a:spcBef>
+              <a:buFont typeface="Arial" panose="020B0604020202020204" pitchFamily="34" charset="0"/>
+              <a:buChar char="•"/>
+              <a:defRPr sz="1400" kern="1200">
+                <a:solidFill>
+                  <a:schemeClr val="tx1"/>
+                </a:solidFill>
+                <a:latin typeface="+mn-lt"/>
+                <a:ea typeface="+mn-ea"/>
+                <a:cs typeface="+mn-cs"/>
+              </a:defRPr>
+            </a:lvl7pPr>
+            <a:lvl8pPr marL="3429000" indent="-228600" algn="l" defTabSz="914400" rtl="0" eaLnBrk="1" latinLnBrk="0" hangingPunct="1">
+              <a:lnSpc>
+                <a:spcPct val="90000"/>
+              </a:lnSpc>
+              <a:spcBef>
+                <a:spcPts val="500"/>
+              </a:spcBef>
+              <a:buFont typeface="Arial" panose="020B0604020202020204" pitchFamily="34" charset="0"/>
+              <a:buChar char="•"/>
+              <a:defRPr sz="1400" kern="1200">
+                <a:solidFill>
+                  <a:schemeClr val="tx1"/>
+                </a:solidFill>
+                <a:latin typeface="+mn-lt"/>
+                <a:ea typeface="+mn-ea"/>
+                <a:cs typeface="+mn-cs"/>
+              </a:defRPr>
+            </a:lvl8pPr>
+            <a:lvl9pPr marL="3886200" indent="-228600" algn="l" defTabSz="914400" rtl="0" eaLnBrk="1" latinLnBrk="0" hangingPunct="1">
+              <a:lnSpc>
+                <a:spcPct val="90000"/>
+              </a:lnSpc>
+              <a:spcBef>
+                <a:spcPts val="500"/>
+              </a:spcBef>
+              <a:buFont typeface="Arial" panose="020B0604020202020204" pitchFamily="34" charset="0"/>
+              <a:buChar char="•"/>
+              <a:defRPr sz="1400" kern="1200">
+                <a:solidFill>
+                  <a:schemeClr val="tx1"/>
+                </a:solidFill>
+                <a:latin typeface="+mn-lt"/>
+                <a:ea typeface="+mn-ea"/>
+                <a:cs typeface="+mn-cs"/>
+              </a:defRPr>
+            </a:lvl9pPr>
+          </a:lstStyle>
+          <a:p>
+            <a:pPr marL="0" indent="0">
+              <a:buFont typeface="Arial" panose="020B0604020202020204" pitchFamily="34" charset="0"/>
+              <a:buNone/>
+            </a:pPr>
+            <a:endParaRPr lang="en-US" dirty="0" smtClean="0"/>
+          </a:p>
+          <a:p>
+            <a:pPr marL="0" indent="0">
+              <a:buFont typeface="Arial" panose="020B0604020202020204" pitchFamily="34" charset="0"/>
+              <a:buNone/>
+            </a:pPr>
+            <a:endParaRPr lang="en-US" dirty="0" smtClean="0"/>
+          </a:p>
+          <a:p>
+            <a:pPr marL="0" indent="0">
+              <a:buNone/>
+            </a:pPr>
+            <a:r>
+              <a:rPr lang="en-US" dirty="0" smtClean="0"/>
+              <a:t>In D5 </a:t>
+            </a:r>
+          </a:p>
+          <a:p>
+            <a:pPr marL="914400" lvl="1" indent="-457200">
+              <a:buFont typeface="+mj-lt"/>
+              <a:buAutoNum type="arabicPeriod"/>
+            </a:pPr>
+            <a:r>
+              <a:rPr lang="en-US" dirty="0" smtClean="0"/>
+              <a:t>Map1 function be executed by Single thread</a:t>
+            </a:r>
+          </a:p>
+          <a:p>
+            <a:pPr marL="914400" lvl="1" indent="-457200">
+              <a:buFont typeface="+mj-lt"/>
+              <a:buAutoNum type="arabicPeriod"/>
+            </a:pPr>
+            <a:r>
+              <a:rPr lang="en-US" dirty="0" smtClean="0"/>
+              <a:t>Map2 function </a:t>
+            </a:r>
+            <a:r>
+              <a:rPr lang="en-US" dirty="0"/>
+              <a:t>be executed by Single </a:t>
+            </a:r>
+            <a:r>
+              <a:rPr lang="en-US" dirty="0" smtClean="0"/>
+              <a:t>thread, since publishOn dominates the susbcribeOn.</a:t>
+            </a:r>
+          </a:p>
+          <a:p>
+            <a:pPr marL="914400" lvl="1" indent="-457200">
+              <a:buFont typeface="+mj-lt"/>
+              <a:buAutoNum type="arabicPeriod"/>
+            </a:pPr>
+            <a:r>
+              <a:rPr lang="en-US" dirty="0" smtClean="0"/>
+              <a:t>Map3 function </a:t>
+            </a:r>
+            <a:r>
+              <a:rPr lang="en-US" dirty="0"/>
+              <a:t>be executed by </a:t>
+            </a:r>
+            <a:r>
+              <a:rPr lang="en-US" dirty="0" smtClean="0"/>
+              <a:t>parallel thread.</a:t>
+            </a:r>
+          </a:p>
+          <a:p>
+            <a:pPr marL="0" indent="0">
+              <a:buNone/>
+            </a:pPr>
+            <a:r>
+              <a:rPr lang="en-US" dirty="0"/>
+              <a:t>In </a:t>
+            </a:r>
+            <a:r>
+              <a:rPr lang="en-US" dirty="0" smtClean="0"/>
+              <a:t>D6 </a:t>
+            </a:r>
+            <a:endParaRPr lang="en-US" dirty="0"/>
+          </a:p>
+          <a:p>
+            <a:pPr marL="914400" lvl="1" indent="-457200">
+              <a:buFont typeface="+mj-lt"/>
+              <a:buAutoNum type="arabicPeriod"/>
+            </a:pPr>
+            <a:r>
+              <a:rPr lang="en-US" dirty="0"/>
+              <a:t>Map1 function be executed by Single thread</a:t>
+            </a:r>
+          </a:p>
+          <a:p>
+            <a:pPr marL="914400" lvl="1" indent="-457200">
+              <a:buFont typeface="+mj-lt"/>
+              <a:buAutoNum type="arabicPeriod"/>
+            </a:pPr>
+            <a:r>
+              <a:rPr lang="en-US" dirty="0"/>
+              <a:t>Map2 function be executed by </a:t>
+            </a:r>
+            <a:r>
+              <a:rPr lang="en-US" dirty="0" smtClean="0"/>
+              <a:t>Elastic.</a:t>
+            </a:r>
+            <a:endParaRPr lang="en-US" dirty="0"/>
+          </a:p>
+          <a:p>
+            <a:pPr marL="914400" lvl="1" indent="-457200">
+              <a:buFont typeface="+mj-lt"/>
+              <a:buAutoNum type="arabicPeriod"/>
+            </a:pPr>
+            <a:r>
+              <a:rPr lang="en-US" dirty="0"/>
+              <a:t>Map3 function be executed by </a:t>
+            </a:r>
+            <a:r>
+              <a:rPr lang="en-US" dirty="0" smtClean="0"/>
+              <a:t>Elastic,</a:t>
+            </a:r>
+            <a:r>
+              <a:rPr lang="en-US" dirty="0"/>
+              <a:t> </a:t>
+            </a:r>
+            <a:r>
+              <a:rPr lang="en-US" dirty="0" smtClean="0"/>
+              <a:t>since </a:t>
+            </a:r>
+            <a:r>
+              <a:rPr lang="en-US" dirty="0"/>
+              <a:t>publishOn dominates the susbcribeOn</a:t>
+            </a:r>
+            <a:r>
+              <a:rPr lang="en-US" dirty="0" smtClean="0"/>
+              <a:t>.</a:t>
+            </a:r>
+            <a:endParaRPr lang="en-US" dirty="0"/>
+          </a:p>
+        </p:txBody>
+      </p:sp>
+      <p:sp>
+        <p:nvSpPr>
+          <p:cNvPr id="16" name="Rectangle 15"/>
+          <p:cNvSpPr/>
+          <p:nvPr/>
+        </p:nvSpPr>
+        <p:spPr>
+          <a:xfrm>
+            <a:off x="5329238" y="2300288"/>
+            <a:ext cx="6712341" cy="742950"/>
+          </a:xfrm>
+          <a:prstGeom prst="rect">
+            <a:avLst/>
+          </a:prstGeom>
+          <a:solidFill>
+            <a:schemeClr val="accent1">
+              <a:alpha val="68000"/>
+            </a:schemeClr>
+          </a:solidFill>
+        </p:spPr>
+        <p:style>
+          <a:lnRef idx="2">
+            <a:schemeClr val="accent1">
+              <a:shade val="50000"/>
+            </a:schemeClr>
+          </a:lnRef>
+          <a:fillRef idx="1">
+            <a:schemeClr val="accent1"/>
+          </a:fillRef>
+          <a:effectRef idx="0">
+            <a:schemeClr val="accent1"/>
+          </a:effectRef>
+          <a:fontRef idx="minor">
+            <a:schemeClr val="lt1"/>
+          </a:fontRef>
+        </p:style>
+        <p:txBody>
+          <a:bodyPr rtlCol="0" anchor="ctr"/>
+          <a:lstStyle/>
+          <a:p>
+            <a:pPr algn="ctr"/>
+            <a:r>
+              <a:rPr lang="en-US" sz="2400" b="1" dirty="0">
+                <a:solidFill>
+                  <a:schemeClr val="bg1"/>
+                </a:solidFill>
+              </a:rPr>
+              <a:t>publishOn always dominate the </a:t>
+            </a:r>
+            <a:r>
+              <a:rPr lang="en-US" sz="2400" b="1" dirty="0" smtClean="0">
+                <a:solidFill>
+                  <a:schemeClr val="bg1"/>
+                </a:solidFill>
+              </a:rPr>
+              <a:t>susbcribeOn</a:t>
+            </a:r>
+            <a:endParaRPr lang="en-US" sz="2400" b="1" dirty="0">
+              <a:solidFill>
+                <a:schemeClr val="bg1"/>
+              </a:solidFill>
+            </a:endParaRPr>
+          </a:p>
+        </p:txBody>
+      </p:sp>
+    </p:spTree>
+    <p:extLst>
+      <p:ext uri="{BB962C8B-B14F-4D97-AF65-F5344CB8AC3E}">
+        <p14:creationId xmlns:p14="http://schemas.microsoft.com/office/powerpoint/2010/main" val="1072943222"/>
+      </p:ext>
+    </p:extLst>
+  </p:cSld>
+  <p:clrMapOvr>
+    <a:masterClrMapping/>
+  </p:clrMapOvr>
+</p:sld>
+</file>
+
+<file path=ppt/slides/slide6.xml><?xml version="1.0" encoding="utf-8"?>
+<p:sld xmlns:a="http://schemas.openxmlformats.org/drawingml/2006/main" xmlns:r="http://schemas.openxmlformats.org/officeDocument/2006/relationships" xmlns:p="http://schemas.openxmlformats.org/presentationml/2006/main">
+  <p:cSld>
+    <p:spTree>
+      <p:nvGrpSpPr>
+        <p:cNvPr id="1" name=""/>
+        <p:cNvGrpSpPr/>
+        <p:nvPr/>
+      </p:nvGrpSpPr>
+      <p:grpSpPr>
+        <a:xfrm>
+          <a:off x="0" y="0"/>
+          <a:ext cx="0" cy="0"/>
+          <a:chOff x="0" y="0"/>
+          <a:chExt cx="0" cy="0"/>
+        </a:xfrm>
+      </p:grpSpPr>
+      <p:sp>
+        <p:nvSpPr>
+          <p:cNvPr id="2" name="Title 1"/>
+          <p:cNvSpPr>
+            <a:spLocks noGrp="1"/>
+          </p:cNvSpPr>
+          <p:nvPr>
+            <p:ph type="title"/>
+          </p:nvPr>
+        </p:nvSpPr>
+        <p:spPr>
+          <a:xfrm>
+            <a:off x="128589" y="753228"/>
+            <a:ext cx="10165594" cy="1080938"/>
+          </a:xfrm>
+        </p:spPr>
+        <p:txBody>
+          <a:bodyPr>
+            <a:normAutofit/>
+          </a:bodyPr>
+          <a:lstStyle/>
+          <a:p>
+            <a:r>
+              <a:rPr lang="en-US" sz="6000" dirty="0" smtClean="0"/>
+              <a:t>parallel </a:t>
+            </a:r>
+            <a:r>
+              <a:rPr lang="en-US" sz="6000" dirty="0"/>
+              <a:t>Operator</a:t>
+            </a:r>
+            <a:endParaRPr lang="en-US" sz="6000" dirty="0"/>
+          </a:p>
+        </p:txBody>
+      </p:sp>
+      <p:sp>
+        <p:nvSpPr>
+          <p:cNvPr id="4" name="Content Placeholder 3"/>
+          <p:cNvSpPr>
+            <a:spLocks noGrp="1"/>
+          </p:cNvSpPr>
+          <p:nvPr>
+            <p:ph sz="half" idx="2"/>
+          </p:nvPr>
+        </p:nvSpPr>
+        <p:spPr>
+          <a:xfrm>
+            <a:off x="5450774" y="2182493"/>
+            <a:ext cx="6579301" cy="4375470"/>
+          </a:xfrm>
+        </p:spPr>
+        <p:txBody>
+          <a:bodyPr/>
+          <a:lstStyle/>
+          <a:p>
+            <a:r>
+              <a:rPr lang="en-US" dirty="0" smtClean="0"/>
+              <a:t>Parallel is the method in Flux class.</a:t>
+            </a:r>
+          </a:p>
+          <a:p>
+            <a:r>
+              <a:rPr lang="en-US" dirty="0" smtClean="0"/>
+              <a:t>This method converts Flux to parallel Flux.</a:t>
+            </a:r>
+          </a:p>
+          <a:p>
+            <a:r>
+              <a:rPr lang="en-US" dirty="0" smtClean="0"/>
+              <a:t>It divide the Flux into multiple flux depends on the CPU core.</a:t>
+            </a:r>
+          </a:p>
+          <a:p>
+            <a:r>
+              <a:rPr lang="en-US" dirty="0" smtClean="0"/>
+              <a:t>If you have 4 core CPU then it divide the Flux into 4 different Flux.</a:t>
+            </a:r>
+          </a:p>
+          <a:p>
+            <a:r>
+              <a:rPr lang="en-US" dirty="0" smtClean="0"/>
+              <a:t>Note: runOn method can be used only on Parallel flux.</a:t>
+            </a:r>
+            <a:endParaRPr lang="en-US" dirty="0"/>
+          </a:p>
+        </p:txBody>
+      </p:sp>
+      <p:sp>
+        <p:nvSpPr>
+          <p:cNvPr id="5" name="Rectangle 4"/>
+          <p:cNvSpPr/>
+          <p:nvPr/>
+        </p:nvSpPr>
+        <p:spPr>
+          <a:xfrm>
+            <a:off x="6293922" y="605642"/>
+            <a:ext cx="5898077" cy="1365662"/>
+          </a:xfrm>
+          <a:prstGeom prst="rect">
+            <a:avLst/>
+          </a:prstGeom>
+        </p:spPr>
+        <p:style>
+          <a:lnRef idx="2">
+            <a:schemeClr val="accent1">
+              <a:shade val="50000"/>
+            </a:schemeClr>
+          </a:lnRef>
+          <a:fillRef idx="1">
+            <a:schemeClr val="accent1"/>
+          </a:fillRef>
+          <a:effectRef idx="0">
+            <a:schemeClr val="accent1"/>
+          </a:effectRef>
+          <a:fontRef idx="minor">
+            <a:schemeClr val="lt1"/>
+          </a:fontRef>
+        </p:style>
+        <p:txBody>
+          <a:bodyPr rtlCol="0" anchor="ctr"/>
+          <a:lstStyle/>
+          <a:p>
+            <a:r>
+              <a:rPr lang="en-US" sz="2400" dirty="0"/>
+              <a:t> </a:t>
+            </a:r>
+            <a:r>
+              <a:rPr lang="en-US" sz="2400" dirty="0" smtClean="0"/>
+              <a:t>is the Perpetuities for runOn operator </a:t>
+            </a:r>
+            <a:endParaRPr lang="en-US" sz="2400" dirty="0"/>
+          </a:p>
+        </p:txBody>
+      </p:sp>
+      <p:pic>
+        <p:nvPicPr>
+          <p:cNvPr id="6" name="Picture 5"/>
+          <p:cNvPicPr>
+            <a:picLocks noChangeAspect="1"/>
+          </p:cNvPicPr>
+          <p:nvPr/>
+        </p:nvPicPr>
+        <p:blipFill>
+          <a:blip r:embed="rId2">
+            <a:extLst>
+              <a:ext uri="{28A0092B-C50C-407E-A947-70E740481C1C}">
+                <a14:useLocalDpi xmlns:a14="http://schemas.microsoft.com/office/drawing/2010/main" val="0"/>
+              </a:ext>
+            </a:extLst>
+          </a:blip>
+          <a:stretch>
+            <a:fillRect/>
+          </a:stretch>
+        </p:blipFill>
+        <p:spPr>
+          <a:xfrm>
+            <a:off x="128589" y="2182493"/>
+            <a:ext cx="5217226" cy="4229027"/>
+          </a:xfrm>
+          <a:prstGeom prst="rect">
+            <a:avLst/>
+          </a:prstGeom>
+        </p:spPr>
+      </p:pic>
+    </p:spTree>
+    <p:extLst>
+      <p:ext uri="{BB962C8B-B14F-4D97-AF65-F5344CB8AC3E}">
+        <p14:creationId xmlns:p14="http://schemas.microsoft.com/office/powerpoint/2010/main" val="558308613"/>
+      </p:ext>
+    </p:extLst>
+  </p:cSld>
+  <p:clrMapOvr>
+    <a:masterClrMapping/>
+  </p:clrMapOvr>
+</p:sld>
+</file>
+
+<file path=ppt/slides/slide7.xml><?xml version="1.0" encoding="utf-8"?>
+<p:sld xmlns:a="http://schemas.openxmlformats.org/drawingml/2006/main" xmlns:r="http://schemas.openxmlformats.org/officeDocument/2006/relationships" xmlns:p="http://schemas.openxmlformats.org/presentationml/2006/main">
+  <p:cSld>
+    <p:spTree>
+      <p:nvGrpSpPr>
+        <p:cNvPr id="1" name=""/>
+        <p:cNvGrpSpPr/>
+        <p:nvPr/>
+      </p:nvGrpSpPr>
+      <p:grpSpPr>
+        <a:xfrm>
+          <a:off x="0" y="0"/>
+          <a:ext cx="0" cy="0"/>
+          <a:chOff x="0" y="0"/>
+          <a:chExt cx="0" cy="0"/>
+        </a:xfrm>
+      </p:grpSpPr>
+      <p:sp>
+        <p:nvSpPr>
+          <p:cNvPr id="2" name="Title 1"/>
+          <p:cNvSpPr>
+            <a:spLocks noGrp="1"/>
+          </p:cNvSpPr>
+          <p:nvPr>
+            <p:ph type="title"/>
+          </p:nvPr>
+        </p:nvSpPr>
+        <p:spPr>
+          <a:xfrm>
+            <a:off x="181558" y="765103"/>
+            <a:ext cx="9613861" cy="1080938"/>
+          </a:xfrm>
+        </p:spPr>
+        <p:txBody>
+          <a:bodyPr>
+            <a:normAutofit/>
+          </a:bodyPr>
+          <a:lstStyle/>
+          <a:p>
+            <a:r>
+              <a:rPr lang="en-US" sz="6000" dirty="0"/>
+              <a:t>runOn Operator</a:t>
+            </a:r>
+            <a:endParaRPr lang="en-US" sz="6000" dirty="0"/>
+          </a:p>
+        </p:txBody>
+      </p:sp>
+      <p:sp>
+        <p:nvSpPr>
+          <p:cNvPr id="3" name="Content Placeholder 2"/>
+          <p:cNvSpPr>
+            <a:spLocks noGrp="1"/>
+          </p:cNvSpPr>
+          <p:nvPr>
+            <p:ph idx="1"/>
+          </p:nvPr>
+        </p:nvSpPr>
+        <p:spPr>
+          <a:xfrm>
+            <a:off x="5438898" y="2336873"/>
+            <a:ext cx="6614557" cy="3968924"/>
+          </a:xfrm>
+        </p:spPr>
+        <p:txBody>
+          <a:bodyPr>
+            <a:normAutofit/>
+          </a:bodyPr>
+          <a:lstStyle/>
+          <a:p>
+            <a:pPr marL="457200" indent="-457200">
+              <a:buFont typeface="+mj-lt"/>
+              <a:buAutoNum type="arabicPeriod"/>
+            </a:pPr>
+            <a:r>
+              <a:rPr lang="en-US" dirty="0" smtClean="0"/>
+              <a:t>Initially the Flux has 6 elements</a:t>
+            </a:r>
+          </a:p>
+          <a:p>
+            <a:pPr marL="457200" indent="-457200">
+              <a:buFont typeface="+mj-lt"/>
+              <a:buAutoNum type="arabicPeriod"/>
+            </a:pPr>
+            <a:r>
+              <a:rPr lang="en-US" dirty="0" smtClean="0"/>
+              <a:t>In D1 parallel operator divide the Flux into multiple flux depends on CPU core.</a:t>
+            </a:r>
+          </a:p>
+          <a:p>
+            <a:pPr marL="457200" indent="-457200">
+              <a:buFont typeface="+mj-lt"/>
+              <a:buAutoNum type="arabicPeriod"/>
+            </a:pPr>
+            <a:r>
+              <a:rPr lang="en-US" dirty="0" smtClean="0"/>
+              <a:t>In D2 </a:t>
+            </a:r>
+            <a:r>
+              <a:rPr lang="en-US" dirty="0"/>
+              <a:t>parallel operator divide the Flux </a:t>
+            </a:r>
+            <a:r>
+              <a:rPr lang="en-US" dirty="0" smtClean="0"/>
+              <a:t>into 2 parts.</a:t>
+            </a:r>
+            <a:endParaRPr lang="en-US" dirty="0"/>
+          </a:p>
+          <a:p>
+            <a:pPr lvl="1"/>
+            <a:r>
+              <a:rPr lang="en-US" dirty="0" smtClean="0"/>
+              <a:t>1</a:t>
+            </a:r>
+            <a:r>
+              <a:rPr lang="en-US" baseline="30000" dirty="0" smtClean="0"/>
+              <a:t>st</a:t>
+            </a:r>
+            <a:r>
+              <a:rPr lang="en-US" dirty="0" smtClean="0"/>
+              <a:t> Flux containing 1, 2 and 3 elements.</a:t>
+            </a:r>
+          </a:p>
+          <a:p>
+            <a:pPr lvl="1"/>
+            <a:r>
+              <a:rPr lang="en-US" dirty="0" smtClean="0"/>
+              <a:t>2</a:t>
+            </a:r>
+            <a:r>
+              <a:rPr lang="en-US" baseline="30000" dirty="0" smtClean="0"/>
+              <a:t>nd</a:t>
+            </a:r>
+            <a:r>
+              <a:rPr lang="en-US" dirty="0" smtClean="0"/>
+              <a:t> Flux containing 4, 5 and 6 elements.</a:t>
+            </a:r>
+          </a:p>
+          <a:p>
+            <a:pPr marL="457200" indent="-457200">
+              <a:buFont typeface="+mj-lt"/>
+              <a:buAutoNum type="arabicPeriod"/>
+            </a:pPr>
+            <a:r>
+              <a:rPr lang="en-US" dirty="0" smtClean="0"/>
+              <a:t>Then runOn method is applied for all the individual Flux after the split.</a:t>
+            </a:r>
+            <a:endParaRPr lang="en-US" dirty="0"/>
+          </a:p>
+        </p:txBody>
+      </p:sp>
+      <p:pic>
+        <p:nvPicPr>
+          <p:cNvPr id="7" name="Picture 6"/>
+          <p:cNvPicPr>
+            <a:picLocks noChangeAspect="1"/>
+          </p:cNvPicPr>
+          <p:nvPr/>
+        </p:nvPicPr>
+        <p:blipFill>
+          <a:blip r:embed="rId2">
+            <a:extLst>
+              <a:ext uri="{28A0092B-C50C-407E-A947-70E740481C1C}">
+                <a14:useLocalDpi xmlns:a14="http://schemas.microsoft.com/office/drawing/2010/main" val="0"/>
+              </a:ext>
+            </a:extLst>
+          </a:blip>
+          <a:stretch>
+            <a:fillRect/>
+          </a:stretch>
+        </p:blipFill>
+        <p:spPr>
+          <a:xfrm>
+            <a:off x="676894" y="2336873"/>
+            <a:ext cx="4762004" cy="1778000"/>
+          </a:xfrm>
+          <a:prstGeom prst="rect">
+            <a:avLst/>
+          </a:prstGeom>
+        </p:spPr>
+      </p:pic>
+      <p:pic>
+        <p:nvPicPr>
+          <p:cNvPr id="8" name="Picture 7"/>
+          <p:cNvPicPr>
+            <a:picLocks noChangeAspect="1"/>
+          </p:cNvPicPr>
+          <p:nvPr/>
+        </p:nvPicPr>
+        <p:blipFill>
+          <a:blip r:embed="rId3">
+            <a:extLst>
+              <a:ext uri="{28A0092B-C50C-407E-A947-70E740481C1C}">
+                <a14:useLocalDpi xmlns:a14="http://schemas.microsoft.com/office/drawing/2010/main" val="0"/>
+              </a:ext>
+            </a:extLst>
+          </a:blip>
+          <a:stretch>
+            <a:fillRect/>
+          </a:stretch>
+        </p:blipFill>
+        <p:spPr>
+          <a:xfrm>
+            <a:off x="676894" y="4605705"/>
+            <a:ext cx="4762004" cy="1917700"/>
+          </a:xfrm>
+          <a:prstGeom prst="rect">
+            <a:avLst/>
+          </a:prstGeom>
+        </p:spPr>
+      </p:pic>
+      <p:sp>
+        <p:nvSpPr>
+          <p:cNvPr id="9" name="TextBox 8"/>
+          <p:cNvSpPr txBox="1"/>
+          <p:nvPr/>
+        </p:nvSpPr>
+        <p:spPr>
+          <a:xfrm>
+            <a:off x="225631" y="3111335"/>
+            <a:ext cx="447558" cy="369332"/>
+          </a:xfrm>
+          <a:prstGeom prst="rect">
+            <a:avLst/>
+          </a:prstGeom>
+          <a:noFill/>
+        </p:spPr>
+        <p:txBody>
+          <a:bodyPr wrap="none" rtlCol="0">
+            <a:spAutoFit/>
+          </a:bodyPr>
+          <a:lstStyle/>
+          <a:p>
+            <a:r>
+              <a:rPr lang="en-US" dirty="0" smtClean="0">
+                <a:solidFill>
+                  <a:schemeClr val="bg1"/>
+                </a:solidFill>
+              </a:rPr>
+              <a:t>D1</a:t>
+            </a:r>
+            <a:endParaRPr lang="en-US" dirty="0">
+              <a:solidFill>
+                <a:schemeClr val="bg1"/>
+              </a:solidFill>
+            </a:endParaRPr>
+          </a:p>
+        </p:txBody>
+      </p:sp>
+      <p:sp>
+        <p:nvSpPr>
+          <p:cNvPr id="10" name="TextBox 9"/>
+          <p:cNvSpPr txBox="1"/>
+          <p:nvPr/>
+        </p:nvSpPr>
+        <p:spPr>
+          <a:xfrm>
+            <a:off x="273132" y="5415148"/>
+            <a:ext cx="447558" cy="369332"/>
+          </a:xfrm>
+          <a:prstGeom prst="rect">
+            <a:avLst/>
+          </a:prstGeom>
+          <a:noFill/>
+        </p:spPr>
+        <p:txBody>
+          <a:bodyPr wrap="none" rtlCol="0">
+            <a:spAutoFit/>
+          </a:bodyPr>
+          <a:lstStyle/>
+          <a:p>
+            <a:r>
+              <a:rPr lang="en-US" dirty="0" smtClean="0">
+                <a:solidFill>
+                  <a:schemeClr val="bg1"/>
+                </a:solidFill>
+              </a:rPr>
+              <a:t>D2</a:t>
+            </a:r>
+            <a:endParaRPr lang="en-US" dirty="0">
+              <a:solidFill>
+                <a:schemeClr val="bg1"/>
+              </a:solidFill>
+            </a:endParaRPr>
+          </a:p>
+        </p:txBody>
+      </p:sp>
+    </p:spTree>
+    <p:extLst>
+      <p:ext uri="{BB962C8B-B14F-4D97-AF65-F5344CB8AC3E}">
+        <p14:creationId xmlns:p14="http://schemas.microsoft.com/office/powerpoint/2010/main" val="641605089"/>
       </p:ext>
     </p:extLst>
   </p:cSld>

--- a/WebFlux-rest-API-Consumer/src/test/java/SchedulerReactive/contextSwitching/3_Switching Execution Context.pptx
+++ b/WebFlux-rest-API-Consumer/src/test/java/SchedulerReactive/contextSwitching/3_Switching Execution Context.pptx
@@ -203,7 +203,7 @@
           <a:p>
             <a:fld id="{EC5DFA32-B3F6-B642-832A-1426E979BED1}" type="datetimeFigureOut">
               <a:rPr lang="en-US" smtClean="0"/>
-              <a:t>11/29/20</a:t>
+              <a:t>11/30/20</a:t>
             </a:fld>
             <a:endParaRPr lang="en-US"/>
           </a:p>
@@ -745,7 +745,7 @@
           <a:p>
             <a:fld id="{78ABE3C1-DBE1-495D-B57B-2849774B866A}" type="datetimeFigureOut">
               <a:rPr lang="en-US" dirty="0"/>
-              <a:t>11/29/20</a:t>
+              <a:t>11/30/20</a:t>
             </a:fld>
             <a:endParaRPr lang="en-US" dirty="0"/>
           </a:p>
@@ -1154,7 +1154,7 @@
           <a:p>
             <a:fld id="{446C117F-5CCF-4837-BE5F-2B92066CAFAF}" type="datetimeFigureOut">
               <a:rPr lang="en-US" dirty="0"/>
-              <a:t>11/29/20</a:t>
+              <a:t>11/30/20</a:t>
             </a:fld>
             <a:endParaRPr lang="en-US" dirty="0"/>
           </a:p>
@@ -1485,7 +1485,7 @@
           <a:p>
             <a:fld id="{84EB90BD-B6CE-46B7-997F-7313B992CCDC}" type="datetimeFigureOut">
               <a:rPr lang="en-US" dirty="0"/>
-              <a:t>11/29/20</a:t>
+              <a:t>11/30/20</a:t>
             </a:fld>
             <a:endParaRPr lang="en-US" dirty="0"/>
           </a:p>
@@ -1885,7 +1885,7 @@
           <a:p>
             <a:fld id="{CDB9D11F-B188-461D-B23F-39381795C052}" type="datetimeFigureOut">
               <a:rPr lang="en-US" dirty="0"/>
-              <a:t>11/29/20</a:t>
+              <a:t>11/30/20</a:t>
             </a:fld>
             <a:endParaRPr lang="en-US" dirty="0"/>
           </a:p>
@@ -2448,7 +2448,7 @@
           <a:p>
             <a:fld id="{52E6D8D9-55A2-4063-B0F3-121F44549695}" type="datetimeFigureOut">
               <a:rPr lang="en-US" dirty="0"/>
-              <a:t>11/29/20</a:t>
+              <a:t>11/30/20</a:t>
             </a:fld>
             <a:endParaRPr lang="en-US" dirty="0"/>
           </a:p>
@@ -3124,7 +3124,7 @@
           <a:p>
             <a:fld id="{D4B24536-994D-4021-A283-9F449C0DB509}" type="datetimeFigureOut">
               <a:rPr lang="en-US" dirty="0"/>
-              <a:t>11/29/20</a:t>
+              <a:t>11/30/20</a:t>
             </a:fld>
             <a:endParaRPr lang="en-US" dirty="0"/>
           </a:p>
@@ -4032,7 +4032,7 @@
           <a:p>
             <a:fld id="{3CBBBB78-C96F-47B7-AB17-D852CA960AC9}" type="datetimeFigureOut">
               <a:rPr lang="en-US" dirty="0"/>
-              <a:t>11/29/20</a:t>
+              <a:t>11/30/20</a:t>
             </a:fld>
             <a:endParaRPr lang="en-US" dirty="0"/>
           </a:p>
@@ -4340,7 +4340,7 @@
           <a:p>
             <a:fld id="{1FA3F48C-C7C6-4055-9F49-3777875E72AE}" type="datetimeFigureOut">
               <a:rPr lang="en-US" dirty="0"/>
-              <a:t>11/29/20</a:t>
+              <a:t>11/30/20</a:t>
             </a:fld>
             <a:endParaRPr lang="en-US" dirty="0"/>
           </a:p>
@@ -4599,7 +4599,7 @@
           <a:p>
             <a:fld id="{6178E61D-D431-422C-9764-11DAFE33AB63}" type="datetimeFigureOut">
               <a:rPr lang="en-US" dirty="0"/>
-              <a:t>11/29/20</a:t>
+              <a:t>11/30/20</a:t>
             </a:fld>
             <a:endParaRPr lang="en-US" dirty="0"/>
           </a:p>
@@ -4918,7 +4918,7 @@
           <a:p>
             <a:fld id="{12DE42F4-6EEF-4EF7-8ED4-2208F0F89A08}" type="datetimeFigureOut">
               <a:rPr lang="en-US" dirty="0"/>
-              <a:t>11/29/20</a:t>
+              <a:t>11/30/20</a:t>
             </a:fld>
             <a:endParaRPr lang="en-US" dirty="0"/>
           </a:p>
@@ -5302,7 +5302,7 @@
           <a:p>
             <a:fld id="{30578ACC-22D6-47C1-A373-4FD133E34F3C}" type="datetimeFigureOut">
               <a:rPr lang="en-US" dirty="0"/>
-              <a:t>11/29/20</a:t>
+              <a:t>11/30/20</a:t>
             </a:fld>
             <a:endParaRPr lang="en-US" dirty="0"/>
           </a:p>
@@ -5673,7 +5673,7 @@
           <a:p>
             <a:fld id="{4E5A6C69-6797-4E8A-BF37-F2C3751466E9}" type="datetimeFigureOut">
               <a:rPr lang="en-US" dirty="0"/>
-              <a:t>11/29/20</a:t>
+              <a:t>11/30/20</a:t>
             </a:fld>
             <a:endParaRPr lang="en-US" dirty="0"/>
           </a:p>
@@ -6174,7 +6174,7 @@
           <a:p>
             <a:fld id="{D82014A1-A632-4878-A0D3-F52BA7563730}" type="datetimeFigureOut">
               <a:rPr lang="en-US" dirty="0"/>
-              <a:t>11/29/20</a:t>
+              <a:t>11/30/20</a:t>
             </a:fld>
             <a:endParaRPr lang="en-US" dirty="0"/>
           </a:p>
@@ -6426,7 +6426,7 @@
           <a:p>
             <a:fld id="{CE99F462-093F-4566-844B-4C71F2739DA5}" type="datetimeFigureOut">
               <a:rPr lang="en-US" dirty="0"/>
-              <a:t>11/29/20</a:t>
+              <a:t>11/30/20</a:t>
             </a:fld>
             <a:endParaRPr lang="en-US" dirty="0"/>
           </a:p>
@@ -6584,7 +6584,7 @@
           <a:p>
             <a:fld id="{3D24A7AC-904D-4781-85BA-7D10C17ED021}" type="datetimeFigureOut">
               <a:rPr lang="en-US" dirty="0"/>
-              <a:t>11/29/20</a:t>
+              <a:t>11/30/20</a:t>
             </a:fld>
             <a:endParaRPr lang="en-US" dirty="0"/>
           </a:p>
@@ -6969,7 +6969,7 @@
           <a:p>
             <a:fld id="{E331444B-B92B-4E27-8C94-BB93EAF5CB18}" type="datetimeFigureOut">
               <a:rPr lang="en-US" dirty="0"/>
-              <a:t>11/29/20</a:t>
+              <a:t>11/30/20</a:t>
             </a:fld>
             <a:endParaRPr lang="en-US" dirty="0"/>
           </a:p>
@@ -7373,7 +7373,7 @@
           <a:p>
             <a:fld id="{363EFA5E-FA76-400D-B3DC-F0BA90E6D107}" type="datetimeFigureOut">
               <a:rPr lang="en-US" dirty="0"/>
-              <a:t>11/29/20</a:t>
+              <a:t>11/30/20</a:t>
             </a:fld>
             <a:endParaRPr lang="en-US" dirty="0"/>
           </a:p>
@@ -7612,7 +7612,7 @@
           <a:p>
             <a:fld id="{9D6E9DEC-419B-4CC5-A080-3B06BD5A8291}" type="datetimeFigureOut">
               <a:rPr lang="en-US" dirty="0"/>
-              <a:t>11/29/20</a:t>
+              <a:t>11/30/20</a:t>
             </a:fld>
             <a:endParaRPr lang="en-US" dirty="0"/>
           </a:p>
@@ -8445,11 +8445,7 @@
             </a:r>
             <a:r>
               <a:rPr lang="en-US" dirty="0" smtClean="0"/>
-              <a:t>all the </a:t>
-            </a:r>
-            <a:r>
-              <a:rPr lang="en-US" dirty="0" smtClean="0"/>
-              <a:t>Map operator will be executed on Parallel Thread.</a:t>
+              <a:t>all the Map operator will be executed on Parallel Thread.</a:t>
             </a:r>
           </a:p>
           <a:p>
@@ -8495,7 +8491,6 @@
               <a:rPr lang="en-US" dirty="0"/>
               <a:t>the Map operator will be executed on Parallel Thread.</a:t>
             </a:r>
-            <a:endParaRPr lang="en-US" dirty="0"/>
           </a:p>
         </p:txBody>
       </p:sp>
@@ -9439,7 +9434,6 @@
               <a:rPr lang="en-US" sz="6000" dirty="0"/>
               <a:t>Operator</a:t>
             </a:r>
-            <a:endParaRPr lang="en-US" sz="6000" dirty="0"/>
           </a:p>
         </p:txBody>
       </p:sp>
@@ -9460,7 +9454,9 @@
           </a:xfrm>
         </p:spPr>
         <p:txBody>
-          <a:bodyPr/>
+          <a:bodyPr>
+            <a:normAutofit lnSpcReduction="10000"/>
+          </a:bodyPr>
           <a:lstStyle/>
           <a:p>
             <a:r>
@@ -9483,14 +9479,48 @@
           <a:p>
             <a:r>
               <a:rPr lang="en-US" dirty="0" smtClean="0"/>
-              <a:t>If you have 4 core CPU then it divide the Flux into 4 different Flux.</a:t>
-            </a:r>
-          </a:p>
-          <a:p>
+              <a:t>If you have 4 core CPU then it divide the Flux into 4 different Flux</a:t>
+            </a:r>
             <a:r>
               <a:rPr lang="en-US" dirty="0" smtClean="0"/>
-              <a:t>Note: runOn method can be used only on Parallel flux.</a:t>
-            </a:r>
+              <a:t>.</a:t>
+            </a:r>
+          </a:p>
+          <a:p>
+            <a:r>
+              <a:rPr lang="en-US" dirty="0" smtClean="0"/>
+              <a:t>It also overloaded method that takes integer as parameter. Depends on the input parameter it divide the Flux to respective input. </a:t>
+            </a:r>
+            <a:endParaRPr lang="en-US" dirty="0" smtClean="0"/>
+          </a:p>
+          <a:p>
+            <a:r>
+              <a:rPr lang="en-US" dirty="0" smtClean="0"/>
+              <a:t>Note: </a:t>
+            </a:r>
+            <a:endParaRPr lang="en-US" dirty="0" smtClean="0"/>
+          </a:p>
+          <a:p>
+            <a:pPr marL="457200" lvl="1" indent="0">
+              <a:buNone/>
+            </a:pPr>
+            <a:r>
+              <a:rPr lang="en-US" dirty="0" smtClean="0"/>
+              <a:t>runOn </a:t>
+            </a:r>
+            <a:r>
+              <a:rPr lang="en-US" dirty="0" smtClean="0"/>
+              <a:t>method can be used only on Parallel flux</a:t>
+            </a:r>
+            <a:r>
+              <a:rPr lang="en-US" dirty="0" smtClean="0"/>
+              <a:t>.</a:t>
+            </a:r>
+          </a:p>
+          <a:p>
+            <a:pPr marL="457200" lvl="1" indent="0">
+              <a:buNone/>
+            </a:pPr>
             <a:endParaRPr lang="en-US" dirty="0"/>
           </a:p>
         </p:txBody>
@@ -9628,7 +9658,6 @@
               <a:rPr lang="en-US" sz="6000" dirty="0"/>
               <a:t>runOn Operator</a:t>
             </a:r>
-            <a:endParaRPr lang="en-US" sz="6000" dirty="0"/>
           </a:p>
         </p:txBody>
       </p:sp>
@@ -9650,7 +9679,7 @@
         </p:spPr>
         <p:txBody>
           <a:bodyPr>
-            <a:normAutofit/>
+            <a:normAutofit lnSpcReduction="10000"/>
           </a:bodyPr>
           <a:lstStyle/>
           <a:p>
@@ -9660,7 +9689,7 @@
             </a:pPr>
             <a:r>
               <a:rPr lang="en-US" dirty="0" smtClean="0"/>
-              <a:t>Initially the Flux has 6 elements</a:t>
+              <a:t>runOn can be applied only on parallel Flux.</a:t>
             </a:r>
           </a:p>
           <a:p>
@@ -9670,8 +9699,17 @@
             </a:pPr>
             <a:r>
               <a:rPr lang="en-US" dirty="0" smtClean="0"/>
-              <a:t>In D1 parallel operator divide the Flux into multiple flux depends on CPU core.</a:t>
-            </a:r>
+              <a:t>Initially </a:t>
+            </a:r>
+            <a:r>
+              <a:rPr lang="en-US" dirty="0" smtClean="0"/>
+              <a:t>the Flux has 6 </a:t>
+            </a:r>
+            <a:r>
+              <a:rPr lang="en-US" dirty="0" smtClean="0"/>
+              <a:t>elements in D1 and D2.</a:t>
+            </a:r>
+            <a:endParaRPr lang="en-US" dirty="0" smtClean="0"/>
           </a:p>
           <a:p>
             <a:pPr marL="457200" indent="-457200">
@@ -9680,46 +9718,7 @@
             </a:pPr>
             <a:r>
               <a:rPr lang="en-US" dirty="0" smtClean="0"/>
-              <a:t>In D2 </a:t>
-            </a:r>
-            <a:r>
-              <a:rPr lang="en-US" dirty="0"/>
-              <a:t>parallel operator divide the Flux </a:t>
-            </a:r>
-            <a:r>
-              <a:rPr lang="en-US" dirty="0" smtClean="0"/>
-              <a:t>into 2 parts.</a:t>
-            </a:r>
-            <a:endParaRPr lang="en-US" dirty="0"/>
-          </a:p>
-          <a:p>
-            <a:pPr lvl="1"/>
-            <a:r>
-              <a:rPr lang="en-US" dirty="0" smtClean="0"/>
-              <a:t>1</a:t>
-            </a:r>
-            <a:r>
-              <a:rPr lang="en-US" baseline="30000" dirty="0" smtClean="0"/>
-              <a:t>st</a:t>
-            </a:r>
-            <a:r>
-              <a:rPr lang="en-US" dirty="0" smtClean="0"/>
-              <a:t> Flux containing 1, 2 and 3 elements.</a:t>
-            </a:r>
-          </a:p>
-          <a:p>
-            <a:pPr lvl="1"/>
-            <a:r>
-              <a:rPr lang="en-US" dirty="0" smtClean="0"/>
-              <a:t>2</a:t>
-            </a:r>
-            <a:r>
-              <a:rPr lang="en-US" baseline="30000" dirty="0" smtClean="0"/>
-              <a:t>nd</a:t>
-            </a:r>
-            <a:r>
-              <a:rPr lang="en-US" dirty="0" smtClean="0"/>
-              <a:t> Flux containing 4, 5 and 6 elements.</a:t>
+              <a:t>In D1 parallel operator divide the Flux into multiple flux depends on CPU core.</a:t>
             </a:r>
           </a:p>
           <a:p>
@@ -9729,7 +9728,96 @@
             </a:pPr>
             <a:r>
               <a:rPr lang="en-US" dirty="0" smtClean="0"/>
-              <a:t>Then runOn method is applied for all the individual Flux after the split.</a:t>
+              <a:t>In D2 </a:t>
+            </a:r>
+            <a:r>
+              <a:rPr lang="en-US" dirty="0"/>
+              <a:t>parallel operator divide the Flux </a:t>
+            </a:r>
+            <a:r>
+              <a:rPr lang="en-US" dirty="0" smtClean="0"/>
+              <a:t>into 2 </a:t>
+            </a:r>
+            <a:r>
+              <a:rPr lang="en-US" dirty="0" smtClean="0"/>
+              <a:t>different Flux.</a:t>
+            </a:r>
+            <a:endParaRPr lang="en-US" dirty="0"/>
+          </a:p>
+          <a:p>
+            <a:pPr lvl="1"/>
+            <a:r>
+              <a:rPr lang="en-US" dirty="0" smtClean="0"/>
+              <a:t>1</a:t>
+            </a:r>
+            <a:r>
+              <a:rPr lang="en-US" baseline="30000" dirty="0" smtClean="0"/>
+              <a:t>st</a:t>
+            </a:r>
+            <a:r>
+              <a:rPr lang="en-US" dirty="0" smtClean="0"/>
+              <a:t> Flux </a:t>
+            </a:r>
+            <a:r>
+              <a:rPr lang="en-US" dirty="0" smtClean="0"/>
+              <a:t>will contain </a:t>
+            </a:r>
+            <a:r>
+              <a:rPr lang="en-US" dirty="0" smtClean="0"/>
+              <a:t>1, 2 and 3 elements.</a:t>
+            </a:r>
+          </a:p>
+          <a:p>
+            <a:pPr lvl="1"/>
+            <a:r>
+              <a:rPr lang="en-US" dirty="0" smtClean="0"/>
+              <a:t>2</a:t>
+            </a:r>
+            <a:r>
+              <a:rPr lang="en-US" baseline="30000" dirty="0" smtClean="0"/>
+              <a:t>nd</a:t>
+            </a:r>
+            <a:r>
+              <a:rPr lang="en-US" dirty="0" smtClean="0"/>
+              <a:t> Flux </a:t>
+            </a:r>
+            <a:r>
+              <a:rPr lang="en-US" dirty="0"/>
+              <a:t>will contain 4</a:t>
+            </a:r>
+            <a:r>
+              <a:rPr lang="en-US" dirty="0" smtClean="0"/>
+              <a:t>, 5 and 6 elements.</a:t>
+            </a:r>
+          </a:p>
+          <a:p>
+            <a:pPr marL="457200" indent="-457200">
+              <a:buFont typeface="+mj-lt"/>
+              <a:buAutoNum type="arabicPeriod"/>
+            </a:pPr>
+            <a:r>
+              <a:rPr lang="en-US" dirty="0" smtClean="0"/>
+              <a:t>Then runOn method </a:t>
+            </a:r>
+            <a:r>
+              <a:rPr lang="en-US" dirty="0" smtClean="0"/>
+              <a:t>will be </a:t>
+            </a:r>
+            <a:r>
+              <a:rPr lang="en-US" dirty="0" smtClean="0"/>
+              <a:t>applied for all the </a:t>
+            </a:r>
+            <a:r>
+              <a:rPr lang="en-US" dirty="0" smtClean="0"/>
+              <a:t>Flux </a:t>
+            </a:r>
+            <a:r>
+              <a:rPr lang="en-US" dirty="0" smtClean="0"/>
+              <a:t>after the </a:t>
+            </a:r>
+            <a:r>
+              <a:rPr lang="en-US" smtClean="0"/>
+              <a:t>split is completed.</a:t>
             </a:r>
             <a:endParaRPr lang="en-US" dirty="0"/>
           </a:p>
